--- a/presentation/SPL-1mid_1420.pptx
+++ b/presentation/SPL-1mid_1420.pptx
@@ -25,30 +25,31 @@
     <p:sldId id="270" r:id="rId20"/>
     <p:sldId id="271" r:id="rId21"/>
     <p:sldId id="272" r:id="rId22"/>
+    <p:sldId id="273" r:id="rId23"/>
   </p:sldIdLst>
   <p:sldSz cy="5143500" cx="9144000"/>
   <p:notesSz cx="6858000" cy="9144000"/>
   <p:embeddedFontLst>
     <p:embeddedFont>
       <p:font typeface="Raleway"/>
-      <p:regular r:id="rId23"/>
-      <p:bold r:id="rId24"/>
-      <p:italic r:id="rId25"/>
-      <p:boldItalic r:id="rId26"/>
+      <p:regular r:id="rId24"/>
+      <p:bold r:id="rId25"/>
+      <p:italic r:id="rId26"/>
+      <p:boldItalic r:id="rId27"/>
     </p:embeddedFont>
     <p:embeddedFont>
       <p:font typeface="Raleway SemiBold"/>
-      <p:regular r:id="rId27"/>
-      <p:bold r:id="rId28"/>
-      <p:italic r:id="rId29"/>
-      <p:boldItalic r:id="rId30"/>
+      <p:regular r:id="rId28"/>
+      <p:bold r:id="rId29"/>
+      <p:italic r:id="rId30"/>
+      <p:boldItalic r:id="rId31"/>
     </p:embeddedFont>
     <p:embeddedFont>
       <p:font typeface="Lato"/>
-      <p:regular r:id="rId31"/>
-      <p:bold r:id="rId32"/>
-      <p:italic r:id="rId33"/>
-      <p:boldItalic r:id="rId34"/>
+      <p:regular r:id="rId32"/>
+      <p:bold r:id="rId33"/>
+      <p:italic r:id="rId34"/>
+      <p:boldItalic r:id="rId35"/>
     </p:embeddedFont>
   </p:embeddedFontLst>
   <p:defaultTextStyle>
@@ -1338,7 +1339,7 @@
       </p:grpSpPr>
       <p:sp>
         <p:nvSpPr>
-          <p:cNvPr id="232" name="Google Shape;232;g27d11bc043e_0_82:notes"/>
+          <p:cNvPr id="232" name="Google Shape;232;g28da25cbaac_0_0:notes"/>
           <p:cNvSpPr/>
           <p:nvPr>
             <p:ph idx="2" type="sldImg"/>
@@ -1373,7 +1374,7 @@
       </p:sp>
       <p:sp>
         <p:nvSpPr>
-          <p:cNvPr id="233" name="Google Shape;233;g27d11bc043e_0_82:notes"/>
+          <p:cNvPr id="233" name="Google Shape;233;g28da25cbaac_0_0:notes"/>
           <p:cNvSpPr txBox="1"/>
           <p:nvPr>
             <p:ph idx="1" type="body"/>
@@ -1423,7 +1424,7 @@
   <p:cSld>
     <p:spTree>
       <p:nvGrpSpPr>
-        <p:cNvPr id="237" name="Shape 237"/>
+        <p:cNvPr id="240" name="Shape 240"/>
         <p:cNvGrpSpPr/>
         <p:nvPr/>
       </p:nvGrpSpPr>
@@ -1437,7 +1438,7 @@
       </p:grpSpPr>
       <p:sp>
         <p:nvSpPr>
-          <p:cNvPr id="238" name="Google Shape;238;g27d1ca7234d_12_0:notes"/>
+          <p:cNvPr id="241" name="Google Shape;241;g27d11bc043e_0_82:notes"/>
           <p:cNvSpPr/>
           <p:nvPr>
             <p:ph idx="2" type="sldImg"/>
@@ -1472,7 +1473,7 @@
       </p:sp>
       <p:sp>
         <p:nvSpPr>
-          <p:cNvPr id="239" name="Google Shape;239;g27d1ca7234d_12_0:notes"/>
+          <p:cNvPr id="242" name="Google Shape;242;g27d11bc043e_0_82:notes"/>
           <p:cNvSpPr txBox="1"/>
           <p:nvPr>
             <p:ph idx="1" type="body"/>
@@ -1522,7 +1523,7 @@
   <p:cSld>
     <p:spTree>
       <p:nvGrpSpPr>
-        <p:cNvPr id="243" name="Shape 243"/>
+        <p:cNvPr id="246" name="Shape 246"/>
         <p:cNvGrpSpPr/>
         <p:nvPr/>
       </p:nvGrpSpPr>
@@ -1536,7 +1537,7 @@
       </p:grpSpPr>
       <p:sp>
         <p:nvSpPr>
-          <p:cNvPr id="244" name="Google Shape;244;g1d9c67055b_0_120:notes"/>
+          <p:cNvPr id="247" name="Google Shape;247;g27d1ca7234d_12_0:notes"/>
           <p:cNvSpPr/>
           <p:nvPr>
             <p:ph idx="2" type="sldImg"/>
@@ -1571,7 +1572,106 @@
       </p:sp>
       <p:sp>
         <p:nvSpPr>
-          <p:cNvPr id="245" name="Google Shape;245;g1d9c67055b_0_120:notes"/>
+          <p:cNvPr id="248" name="Google Shape;248;g27d1ca7234d_12_0:notes"/>
+          <p:cNvSpPr txBox="1"/>
+          <p:nvPr>
+            <p:ph idx="1" type="body"/>
+          </p:nvPr>
+        </p:nvSpPr>
+        <p:spPr>
+          <a:xfrm>
+            <a:off x="685800" y="4343400"/>
+            <a:ext cx="5486400" cy="4114800"/>
+          </a:xfrm>
+          <a:prstGeom prst="rect">
+            <a:avLst/>
+          </a:prstGeom>
+        </p:spPr>
+        <p:txBody>
+          <a:bodyPr anchorCtr="0" anchor="t" bIns="91425" lIns="91425" spcFirstLastPara="1" rIns="91425" wrap="square" tIns="91425">
+            <a:noAutofit/>
+          </a:bodyPr>
+          <a:lstStyle/>
+          <a:p>
+            <a:pPr indent="0" lvl="0" marL="0" rtl="0" algn="l">
+              <a:spcBef>
+                <a:spcPts val="0"/>
+              </a:spcBef>
+              <a:spcAft>
+                <a:spcPts val="0"/>
+              </a:spcAft>
+              <a:buNone/>
+            </a:pPr>
+            <a:r>
+              <a:t/>
+            </a:r>
+            <a:endParaRPr/>
+          </a:p>
+        </p:txBody>
+      </p:sp>
+    </p:spTree>
+  </p:cSld>
+  <p:clrMapOvr>
+    <a:masterClrMapping/>
+  </p:clrMapOvr>
+</p:notes>
+</file>
+
+<file path=ppt/notesSlides/notesSlide18.xml><?xml version="1.0" encoding="utf-8"?>
+<p:notes xmlns:a="http://schemas.openxmlformats.org/drawingml/2006/main" xmlns:r="http://schemas.openxmlformats.org/officeDocument/2006/relationships" xmlns:mc="http://schemas.openxmlformats.org/markup-compatibility/2006" xmlns:mv="urn:schemas-microsoft-com:mac:vml" xmlns:p="http://schemas.openxmlformats.org/presentationml/2006/main" xmlns:c="http://schemas.openxmlformats.org/drawingml/2006/chart" xmlns:dgm="http://schemas.openxmlformats.org/drawingml/2006/diagram" xmlns:o="urn:schemas-microsoft-com:office:office" xmlns:v="urn:schemas-microsoft-com:vml" xmlns:pvml="urn:schemas-microsoft-com:office:powerpoint" xmlns:com="http://schemas.openxmlformats.org/drawingml/2006/compatibility" xmlns:p14="http://schemas.microsoft.com/office/powerpoint/2010/main" xmlns:p15="http://schemas.microsoft.com/office/powerpoint/2012/main" xmlns:ahyp="http://schemas.microsoft.com/office/drawing/2018/hyperlinkcolor" showMasterPhAnim="0" showMasterSp="0">
+  <p:cSld>
+    <p:spTree>
+      <p:nvGrpSpPr>
+        <p:cNvPr id="252" name="Shape 252"/>
+        <p:cNvGrpSpPr/>
+        <p:nvPr/>
+      </p:nvGrpSpPr>
+      <p:grpSpPr>
+        <a:xfrm>
+          <a:off x="0" y="0"/>
+          <a:ext cx="0" cy="0"/>
+          <a:chOff x="0" y="0"/>
+          <a:chExt cx="0" cy="0"/>
+        </a:xfrm>
+      </p:grpSpPr>
+      <p:sp>
+        <p:nvSpPr>
+          <p:cNvPr id="253" name="Google Shape;253;g1d9c67055b_0_120:notes"/>
+          <p:cNvSpPr/>
+          <p:nvPr>
+            <p:ph idx="2" type="sldImg"/>
+          </p:nvPr>
+        </p:nvSpPr>
+        <p:spPr>
+          <a:xfrm>
+            <a:off x="381300" y="685800"/>
+            <a:ext cx="6096000" cy="3429000"/>
+          </a:xfrm>
+          <a:custGeom>
+            <a:rect b="b" l="l" r="r" t="t"/>
+            <a:pathLst>
+              <a:path extrusionOk="0" h="120000" w="120000">
+                <a:moveTo>
+                  <a:pt x="0" y="0"/>
+                </a:moveTo>
+                <a:lnTo>
+                  <a:pt x="120000" y="0"/>
+                </a:lnTo>
+                <a:lnTo>
+                  <a:pt x="120000" y="120000"/>
+                </a:lnTo>
+                <a:lnTo>
+                  <a:pt x="0" y="120000"/>
+                </a:lnTo>
+                <a:close/>
+              </a:path>
+            </a:pathLst>
+          </a:custGeom>
+        </p:spPr>
+      </p:sp>
+      <p:sp>
+        <p:nvSpPr>
+          <p:cNvPr id="254" name="Google Shape;254;g1d9c67055b_0_120:notes"/>
           <p:cNvSpPr txBox="1"/>
           <p:nvPr>
             <p:ph idx="1" type="body"/>
@@ -13283,13 +13383,6 @@
 <file path=ppt/slides/slide15.xml><?xml version="1.0" encoding="utf-8"?>
 <p:sld xmlns:a="http://schemas.openxmlformats.org/drawingml/2006/main" xmlns:r="http://schemas.openxmlformats.org/officeDocument/2006/relationships" xmlns:mc="http://schemas.openxmlformats.org/markup-compatibility/2006" xmlns:mv="urn:schemas-microsoft-com:mac:vml" xmlns:p="http://schemas.openxmlformats.org/presentationml/2006/main" xmlns:c="http://schemas.openxmlformats.org/drawingml/2006/chart" xmlns:dgm="http://schemas.openxmlformats.org/drawingml/2006/diagram" xmlns:o="urn:schemas-microsoft-com:office:office" xmlns:v="urn:schemas-microsoft-com:vml" xmlns:pvml="urn:schemas-microsoft-com:office:powerpoint" xmlns:com="http://schemas.openxmlformats.org/drawingml/2006/compatibility" xmlns:p14="http://schemas.microsoft.com/office/powerpoint/2010/main" xmlns:p15="http://schemas.microsoft.com/office/powerpoint/2012/main" xmlns:ahyp="http://schemas.microsoft.com/office/drawing/2018/hyperlinkcolor">
   <p:cSld>
-    <p:bg>
-      <p:bgPr>
-        <a:solidFill>
-          <a:srgbClr val="93C47D"/>
-        </a:solidFill>
-      </p:bgPr>
-    </p:bg>
     <p:spTree>
       <p:nvGrpSpPr>
         <p:cNvPr id="234" name="Shape 234"/>
@@ -13307,6 +13400,214 @@
       <p:sp>
         <p:nvSpPr>
           <p:cNvPr id="235" name="Google Shape;235;p31"/>
+          <p:cNvSpPr txBox="1"/>
+          <p:nvPr>
+            <p:ph type="title"/>
+          </p:nvPr>
+        </p:nvSpPr>
+        <p:spPr>
+          <a:xfrm>
+            <a:off x="821500" y="432625"/>
+            <a:ext cx="7688700" cy="535200"/>
+          </a:xfrm>
+          <a:prstGeom prst="rect">
+            <a:avLst/>
+          </a:prstGeom>
+        </p:spPr>
+        <p:txBody>
+          <a:bodyPr anchorCtr="0" anchor="t" bIns="91425" lIns="91425" spcFirstLastPara="1" rIns="91425" wrap="square" tIns="91425">
+            <a:noAutofit/>
+          </a:bodyPr>
+          <a:lstStyle/>
+          <a:p>
+            <a:pPr indent="0" lvl="0" marL="0" rtl="0" algn="ctr">
+              <a:spcBef>
+                <a:spcPts val="0"/>
+              </a:spcBef>
+              <a:spcAft>
+                <a:spcPts val="0"/>
+              </a:spcAft>
+              <a:buNone/>
+            </a:pPr>
+            <a:r>
+              <a:rPr lang="en"/>
+              <a:t>Output Accuracy Test</a:t>
+            </a:r>
+            <a:endParaRPr sz="3000"/>
+          </a:p>
+        </p:txBody>
+      </p:sp>
+      <p:pic>
+        <p:nvPicPr>
+          <p:cNvPr id="236" name="Google Shape;236;p31"/>
+          <p:cNvPicPr preferRelativeResize="0"/>
+          <p:nvPr/>
+        </p:nvPicPr>
+        <p:blipFill>
+          <a:blip r:embed="rId3">
+            <a:alphaModFix/>
+          </a:blip>
+          <a:stretch>
+            <a:fillRect/>
+          </a:stretch>
+        </p:blipFill>
+        <p:spPr>
+          <a:xfrm>
+            <a:off x="359500" y="2156475"/>
+            <a:ext cx="4772025" cy="2543175"/>
+          </a:xfrm>
+          <a:prstGeom prst="rect">
+            <a:avLst/>
+          </a:prstGeom>
+          <a:noFill/>
+          <a:ln>
+            <a:noFill/>
+          </a:ln>
+        </p:spPr>
+      </p:pic>
+      <p:pic>
+        <p:nvPicPr>
+          <p:cNvPr id="237" name="Google Shape;237;p31"/>
+          <p:cNvPicPr preferRelativeResize="0"/>
+          <p:nvPr/>
+        </p:nvPicPr>
+        <p:blipFill>
+          <a:blip r:embed="rId4">
+            <a:alphaModFix/>
+          </a:blip>
+          <a:stretch>
+            <a:fillRect/>
+          </a:stretch>
+        </p:blipFill>
+        <p:spPr>
+          <a:xfrm>
+            <a:off x="359500" y="1401925"/>
+            <a:ext cx="4772025" cy="754550"/>
+          </a:xfrm>
+          <a:prstGeom prst="rect">
+            <a:avLst/>
+          </a:prstGeom>
+          <a:noFill/>
+          <a:ln>
+            <a:noFill/>
+          </a:ln>
+        </p:spPr>
+      </p:pic>
+      <p:pic>
+        <p:nvPicPr>
+          <p:cNvPr id="238" name="Google Shape;238;p31"/>
+          <p:cNvPicPr preferRelativeResize="0"/>
+          <p:nvPr/>
+        </p:nvPicPr>
+        <p:blipFill>
+          <a:blip r:embed="rId5">
+            <a:alphaModFix/>
+          </a:blip>
+          <a:stretch>
+            <a:fillRect/>
+          </a:stretch>
+        </p:blipFill>
+        <p:spPr>
+          <a:xfrm>
+            <a:off x="5318450" y="1954563"/>
+            <a:ext cx="3707674" cy="2946989"/>
+          </a:xfrm>
+          <a:prstGeom prst="rect">
+            <a:avLst/>
+          </a:prstGeom>
+          <a:noFill/>
+          <a:ln>
+            <a:noFill/>
+          </a:ln>
+        </p:spPr>
+      </p:pic>
+      <p:sp>
+        <p:nvSpPr>
+          <p:cNvPr id="239" name="Google Shape;239;p31"/>
+          <p:cNvSpPr txBox="1"/>
+          <p:nvPr/>
+        </p:nvSpPr>
+        <p:spPr>
+          <a:xfrm>
+            <a:off x="5533538" y="1499925"/>
+            <a:ext cx="3277500" cy="507900"/>
+          </a:xfrm>
+          <a:prstGeom prst="rect">
+            <a:avLst/>
+          </a:prstGeom>
+          <a:noFill/>
+          <a:ln>
+            <a:noFill/>
+          </a:ln>
+        </p:spPr>
+        <p:txBody>
+          <a:bodyPr anchorCtr="0" anchor="t" bIns="91425" lIns="91425" spcFirstLastPara="1" rIns="91425" wrap="square" tIns="91425">
+            <a:spAutoFit/>
+          </a:bodyPr>
+          <a:lstStyle/>
+          <a:p>
+            <a:pPr indent="0" lvl="0" marL="0" rtl="0" algn="l">
+              <a:spcBef>
+                <a:spcPts val="0"/>
+              </a:spcBef>
+              <a:spcAft>
+                <a:spcPts val="0"/>
+              </a:spcAft>
+              <a:buNone/>
+            </a:pPr>
+            <a:r>
+              <a:rPr lang="en" sz="2100">
+                <a:latin typeface="Lato"/>
+                <a:ea typeface="Lato"/>
+                <a:cs typeface="Lato"/>
+                <a:sym typeface="Lato"/>
+              </a:rPr>
+              <a:t>Input Sample Scatter Plot</a:t>
+            </a:r>
+            <a:endParaRPr sz="2100">
+              <a:latin typeface="Lato"/>
+              <a:ea typeface="Lato"/>
+              <a:cs typeface="Lato"/>
+              <a:sym typeface="Lato"/>
+            </a:endParaRPr>
+          </a:p>
+        </p:txBody>
+      </p:sp>
+    </p:spTree>
+  </p:cSld>
+  <p:clrMapOvr>
+    <a:masterClrMapping/>
+  </p:clrMapOvr>
+</p:sld>
+</file>
+
+<file path=ppt/slides/slide16.xml><?xml version="1.0" encoding="utf-8"?>
+<p:sld xmlns:a="http://schemas.openxmlformats.org/drawingml/2006/main" xmlns:r="http://schemas.openxmlformats.org/officeDocument/2006/relationships" xmlns:mc="http://schemas.openxmlformats.org/markup-compatibility/2006" xmlns:mv="urn:schemas-microsoft-com:mac:vml" xmlns:p="http://schemas.openxmlformats.org/presentationml/2006/main" xmlns:c="http://schemas.openxmlformats.org/drawingml/2006/chart" xmlns:dgm="http://schemas.openxmlformats.org/drawingml/2006/diagram" xmlns:o="urn:schemas-microsoft-com:office:office" xmlns:v="urn:schemas-microsoft-com:vml" xmlns:pvml="urn:schemas-microsoft-com:office:powerpoint" xmlns:com="http://schemas.openxmlformats.org/drawingml/2006/compatibility" xmlns:p14="http://schemas.microsoft.com/office/powerpoint/2010/main" xmlns:p15="http://schemas.microsoft.com/office/powerpoint/2012/main" xmlns:ahyp="http://schemas.microsoft.com/office/drawing/2018/hyperlinkcolor">
+  <p:cSld>
+    <p:bg>
+      <p:bgPr>
+        <a:solidFill>
+          <a:srgbClr val="93C47D"/>
+        </a:solidFill>
+      </p:bgPr>
+    </p:bg>
+    <p:spTree>
+      <p:nvGrpSpPr>
+        <p:cNvPr id="243" name="Shape 243"/>
+        <p:cNvGrpSpPr/>
+        <p:nvPr/>
+      </p:nvGrpSpPr>
+      <p:grpSpPr>
+        <a:xfrm>
+          <a:off x="0" y="0"/>
+          <a:ext cx="0" cy="0"/>
+          <a:chOff x="0" y="0"/>
+          <a:chExt cx="0" cy="0"/>
+        </a:xfrm>
+      </p:grpSpPr>
+      <p:sp>
+        <p:nvSpPr>
+          <p:cNvPr id="244" name="Google Shape;244;p32"/>
           <p:cNvSpPr txBox="1"/>
           <p:nvPr/>
         </p:nvSpPr>
@@ -13364,7 +13665,7 @@
       </p:sp>
       <p:sp>
         <p:nvSpPr>
-          <p:cNvPr id="236" name="Google Shape;236;p31"/>
+          <p:cNvPr id="245" name="Google Shape;245;p32"/>
           <p:cNvSpPr txBox="1"/>
           <p:nvPr/>
         </p:nvSpPr>
@@ -13580,7 +13881,7 @@
 </p:sld>
 </file>
 
-<file path=ppt/slides/slide16.xml><?xml version="1.0" encoding="utf-8"?>
+<file path=ppt/slides/slide17.xml><?xml version="1.0" encoding="utf-8"?>
 <p:sld xmlns:a="http://schemas.openxmlformats.org/drawingml/2006/main" xmlns:r="http://schemas.openxmlformats.org/officeDocument/2006/relationships" xmlns:mc="http://schemas.openxmlformats.org/markup-compatibility/2006" xmlns:mv="urn:schemas-microsoft-com:mac:vml" xmlns:p="http://schemas.openxmlformats.org/presentationml/2006/main" xmlns:c="http://schemas.openxmlformats.org/drawingml/2006/chart" xmlns:dgm="http://schemas.openxmlformats.org/drawingml/2006/diagram" xmlns:o="urn:schemas-microsoft-com:office:office" xmlns:v="urn:schemas-microsoft-com:vml" xmlns:pvml="urn:schemas-microsoft-com:office:powerpoint" xmlns:com="http://schemas.openxmlformats.org/drawingml/2006/compatibility" xmlns:p14="http://schemas.microsoft.com/office/powerpoint/2010/main" xmlns:p15="http://schemas.microsoft.com/office/powerpoint/2012/main" xmlns:ahyp="http://schemas.microsoft.com/office/drawing/2018/hyperlinkcolor">
   <p:cSld>
     <p:bg>
@@ -13592,7 +13893,7 @@
     </p:bg>
     <p:spTree>
       <p:nvGrpSpPr>
-        <p:cNvPr id="240" name="Shape 240"/>
+        <p:cNvPr id="249" name="Shape 249"/>
         <p:cNvGrpSpPr/>
         <p:nvPr/>
       </p:nvGrpSpPr>
@@ -13606,7 +13907,7 @@
       </p:grpSpPr>
       <p:sp>
         <p:nvSpPr>
-          <p:cNvPr id="241" name="Google Shape;241;p32">
+          <p:cNvPr id="250" name="Google Shape;250;p33">
             <a:hlinkClick r:id="rId3"/>
           </p:cNvPr>
           <p:cNvSpPr txBox="1"/>
@@ -13676,7 +13977,7 @@
       </p:sp>
       <p:sp>
         <p:nvSpPr>
-          <p:cNvPr id="242" name="Google Shape;242;p32"/>
+          <p:cNvPr id="251" name="Google Shape;251;p33"/>
           <p:cNvSpPr txBox="1"/>
           <p:nvPr/>
         </p:nvSpPr>
@@ -13734,12 +14035,12 @@
 </p:sld>
 </file>
 
-<file path=ppt/slides/slide17.xml><?xml version="1.0" encoding="utf-8"?>
+<file path=ppt/slides/slide18.xml><?xml version="1.0" encoding="utf-8"?>
 <p:sld xmlns:a="http://schemas.openxmlformats.org/drawingml/2006/main" xmlns:r="http://schemas.openxmlformats.org/officeDocument/2006/relationships" xmlns:mc="http://schemas.openxmlformats.org/markup-compatibility/2006" xmlns:mv="urn:schemas-microsoft-com:mac:vml" xmlns:p="http://schemas.openxmlformats.org/presentationml/2006/main" xmlns:c="http://schemas.openxmlformats.org/drawingml/2006/chart" xmlns:dgm="http://schemas.openxmlformats.org/drawingml/2006/diagram" xmlns:o="urn:schemas-microsoft-com:office:office" xmlns:v="urn:schemas-microsoft-com:vml" xmlns:pvml="urn:schemas-microsoft-com:office:powerpoint" xmlns:com="http://schemas.openxmlformats.org/drawingml/2006/compatibility" xmlns:p14="http://schemas.microsoft.com/office/powerpoint/2010/main" xmlns:p15="http://schemas.microsoft.com/office/powerpoint/2012/main" xmlns:ahyp="http://schemas.microsoft.com/office/drawing/2018/hyperlinkcolor">
   <p:cSld>
     <p:spTree>
       <p:nvGrpSpPr>
-        <p:cNvPr id="246" name="Shape 246"/>
+        <p:cNvPr id="255" name="Shape 255"/>
         <p:cNvGrpSpPr/>
         <p:nvPr/>
       </p:nvGrpSpPr>
@@ -13753,7 +14054,7 @@
       </p:grpSpPr>
       <p:sp>
         <p:nvSpPr>
-          <p:cNvPr id="247" name="Google Shape;247;p33"/>
+          <p:cNvPr id="256" name="Google Shape;256;p34"/>
           <p:cNvSpPr txBox="1"/>
           <p:nvPr>
             <p:ph type="title"/>
